--- a/_downloads/066b0803b738ade894edba159224426b/Conceptos estadísticos .pptx
+++ b/_downloads/066b0803b738ade894edba159224426b/Conceptos estadísticos .pptx
@@ -4,6 +4,9 @@
   <p:sldMasterIdLst>
     <p:sldMasterId id="2147483648" r:id="rId1"/>
   </p:sldMasterIdLst>
+  <p:notesMasterIdLst>
+    <p:notesMasterId r:id="rId15"/>
+  </p:notesMasterIdLst>
   <p:sldIdLst>
     <p:sldId id="273" r:id="rId2"/>
     <p:sldId id="286" r:id="rId3"/>
@@ -4172,49 +4175,6 @@
         </a:p>
       </dgm:t>
     </dgm:pt>
-    <dgm:pt modelId="{D23A2881-AD1A-4A21-8C1B-04970BF92B9A}">
-      <dgm:prSet/>
-      <dgm:spPr/>
-      <dgm:t>
-        <a:bodyPr/>
-        <a:lstStyle/>
-        <a:p>
-          <a:pPr algn="l">
-            <a:buFont typeface="Arial" panose="020B0604020202020204" pitchFamily="34" charset="0"/>
-            <a:buChar char="•"/>
-          </a:pPr>
-          <a:r>
-            <a:rPr lang="es-CO" sz="1600" kern="1200" dirty="0">
-              <a:latin typeface="+mn-lt"/>
-              <a:cs typeface="Times New Roman" panose="02020603050405020304" pitchFamily="18" charset="0"/>
-            </a:rPr>
-            <a:t>Coeficiente de variación </a:t>
-          </a:r>
-        </a:p>
-      </dgm:t>
-    </dgm:pt>
-    <dgm:pt modelId="{5240E24D-65DA-4030-A2FB-AA074747C6CB}" type="sibTrans" cxnId="{3AE826CF-C6AA-4CDA-AC65-7FF2E6605CC8}">
-      <dgm:prSet/>
-      <dgm:spPr/>
-      <dgm:t>
-        <a:bodyPr/>
-        <a:lstStyle/>
-        <a:p>
-          <a:endParaRPr lang="es-CO"/>
-        </a:p>
-      </dgm:t>
-    </dgm:pt>
-    <dgm:pt modelId="{D975BF0B-23FF-4F13-A8DE-D25D9E5CDD3F}" type="parTrans" cxnId="{3AE826CF-C6AA-4CDA-AC65-7FF2E6605CC8}">
-      <dgm:prSet/>
-      <dgm:spPr/>
-      <dgm:t>
-        <a:bodyPr/>
-        <a:lstStyle/>
-        <a:p>
-          <a:endParaRPr lang="es-CO"/>
-        </a:p>
-      </dgm:t>
-    </dgm:pt>
     <dgm:pt modelId="{D7D6E60D-2D7D-4201-9539-E9F6FD855CCB}">
       <dgm:prSet/>
       <dgm:spPr/>
@@ -4413,23 +4373,21 @@
     <dgm:cxn modelId="{4A5FDF34-E781-4AAF-B30F-DCAA519FFBFC}" type="presOf" srcId="{9DB5D2A8-403A-4506-9802-D68D5169F53C}" destId="{E7AC0264-315F-451E-BE79-2070A39A3055}" srcOrd="0" destOrd="0" presId="urn:microsoft.com/office/officeart/2005/8/layout/hList1"/>
     <dgm:cxn modelId="{F846ED36-C012-4D56-8FA3-AE0FF48D3373}" srcId="{6CD248B4-3C4D-425B-B071-285BCFFC33E3}" destId="{1D679F46-3187-42F3-8499-9E549FB8D519}" srcOrd="1" destOrd="0" parTransId="{9F6B3E95-6AB7-43EB-8C10-AEA28140FE9C}" sibTransId="{24160410-0ED2-4AA3-B6BC-0267FDC0ACFE}"/>
     <dgm:cxn modelId="{25A8243E-2B3C-4C96-9D13-3995D274212C}" srcId="{1D679F46-3187-42F3-8499-9E549FB8D519}" destId="{0C3898D1-73CD-4F26-9FB4-41540C42AF5C}" srcOrd="1" destOrd="0" parTransId="{2CBC946C-3F05-4F93-9B43-CA96D3D273D7}" sibTransId="{F8BB99F5-5B16-4474-82D9-F0DB9BE51553}"/>
-    <dgm:cxn modelId="{4FA9103F-10C1-4F6B-811E-4A9C62192888}" srcId="{1D679F46-3187-42F3-8499-9E549FB8D519}" destId="{D7D6E60D-2D7D-4201-9539-E9F6FD855CCB}" srcOrd="5" destOrd="0" parTransId="{B8CBC99A-88BB-4436-BFE4-254BCDFEBFC3}" sibTransId="{CE37EC5E-A393-4DCD-9EC7-C2B862459665}"/>
+    <dgm:cxn modelId="{4FA9103F-10C1-4F6B-811E-4A9C62192888}" srcId="{1D679F46-3187-42F3-8499-9E549FB8D519}" destId="{D7D6E60D-2D7D-4201-9539-E9F6FD855CCB}" srcOrd="4" destOrd="0" parTransId="{B8CBC99A-88BB-4436-BFE4-254BCDFEBFC3}" sibTransId="{CE37EC5E-A393-4DCD-9EC7-C2B862459665}"/>
     <dgm:cxn modelId="{A37D345C-00FE-4EA3-893E-08AF28A6A9E8}" type="presOf" srcId="{4DA552D8-4D15-4B47-8D84-C5BD84A8E3BD}" destId="{EDAB58BD-A13A-4E38-92D3-EF8E9E07CBCC}" srcOrd="0" destOrd="2" presId="urn:microsoft.com/office/officeart/2005/8/layout/hList1"/>
     <dgm:cxn modelId="{76D7F567-CF74-42A4-A124-874FEAD188CA}" type="presOf" srcId="{FD977C2E-B922-479B-97ED-7136ABFC009D}" destId="{EDAB58BD-A13A-4E38-92D3-EF8E9E07CBCC}" srcOrd="0" destOrd="0" presId="urn:microsoft.com/office/officeart/2005/8/layout/hList1"/>
     <dgm:cxn modelId="{C7512855-B373-4093-890F-FBEAB306D420}" srcId="{1D679F46-3187-42F3-8499-9E549FB8D519}" destId="{07BDDCCC-9BCD-4459-99DE-884238162576}" srcOrd="3" destOrd="0" parTransId="{9BA60E89-FF6A-47B2-9462-A65346CF6708}" sibTransId="{780B8E4F-CF89-4308-B897-874B3265E73B}"/>
     <dgm:cxn modelId="{082D6D79-CA28-40E4-B952-C0178F78B6EA}" type="presOf" srcId="{436DF253-E54F-46EB-9171-D01FE2FF5DD1}" destId="{E7AC0264-315F-451E-BE79-2070A39A3055}" srcOrd="0" destOrd="1" presId="urn:microsoft.com/office/officeart/2005/8/layout/hList1"/>
-    <dgm:cxn modelId="{39F7D081-00B2-473F-9419-395E7A20B072}" type="presOf" srcId="{D7D6E60D-2D7D-4201-9539-E9F6FD855CCB}" destId="{EDAB58BD-A13A-4E38-92D3-EF8E9E07CBCC}" srcOrd="0" destOrd="5" presId="urn:microsoft.com/office/officeart/2005/8/layout/hList1"/>
+    <dgm:cxn modelId="{39F7D081-00B2-473F-9419-395E7A20B072}" type="presOf" srcId="{D7D6E60D-2D7D-4201-9539-E9F6FD855CCB}" destId="{EDAB58BD-A13A-4E38-92D3-EF8E9E07CBCC}" srcOrd="0" destOrd="4" presId="urn:microsoft.com/office/officeart/2005/8/layout/hList1"/>
     <dgm:cxn modelId="{C5EA6892-A7F8-4EBD-87DE-82FC0ACB5822}" srcId="{F9D774E8-B610-44D3-B322-C70F45CC026F}" destId="{436DF253-E54F-46EB-9171-D01FE2FF5DD1}" srcOrd="1" destOrd="0" parTransId="{C81595C6-5569-422C-9C2E-7DF630703D01}" sibTransId="{F9C8E9E3-3640-436A-99EB-70020D318927}"/>
     <dgm:cxn modelId="{91E95492-B512-4A5F-AD5B-9C8F361A87F0}" srcId="{1D679F46-3187-42F3-8499-9E549FB8D519}" destId="{FD977C2E-B922-479B-97ED-7136ABFC009D}" srcOrd="0" destOrd="0" parTransId="{B9D79458-EA48-4587-96F3-6EE97417BB9A}" sibTransId="{3BA6777D-B5B3-4BB6-9187-CF6F4867E259}"/>
     <dgm:cxn modelId="{48FBEB97-1E48-4E63-98BA-E673310410A5}" srcId="{1D679F46-3187-42F3-8499-9E549FB8D519}" destId="{4DA552D8-4D15-4B47-8D84-C5BD84A8E3BD}" srcOrd="2" destOrd="0" parTransId="{51F8AEA4-7E25-4E38-A32C-5024D11E4932}" sibTransId="{D587C994-8730-4DBF-B220-2C05397800D6}"/>
     <dgm:cxn modelId="{9C05BF9A-BC30-433C-A6B7-82A69F0AD53E}" type="presOf" srcId="{6CD248B4-3C4D-425B-B071-285BCFFC33E3}" destId="{59BDB0A7-94A2-4A48-8855-D586AD2DA317}" srcOrd="0" destOrd="0" presId="urn:microsoft.com/office/officeart/2005/8/layout/hList1"/>
     <dgm:cxn modelId="{9C4BE6A3-5C91-40DF-9CA8-1CB12EA75FB6}" srcId="{F9D774E8-B610-44D3-B322-C70F45CC026F}" destId="{8FF5F5BD-317B-4067-9128-FE0EC42ABA05}" srcOrd="3" destOrd="0" parTransId="{27E19583-2BCF-49C4-AE05-D28FB7E3B376}" sibTransId="{C41D0294-8830-496B-894A-D6C28F46FA44}"/>
-    <dgm:cxn modelId="{493A4DBE-3867-496B-9BA1-89D6C40E441D}" type="presOf" srcId="{732B7EF6-4D52-4C95-A4C0-B8BF0DCA975D}" destId="{EDAB58BD-A13A-4E38-92D3-EF8E9E07CBCC}" srcOrd="0" destOrd="6" presId="urn:microsoft.com/office/officeart/2005/8/layout/hList1"/>
+    <dgm:cxn modelId="{493A4DBE-3867-496B-9BA1-89D6C40E441D}" type="presOf" srcId="{732B7EF6-4D52-4C95-A4C0-B8BF0DCA975D}" destId="{EDAB58BD-A13A-4E38-92D3-EF8E9E07CBCC}" srcOrd="0" destOrd="5" presId="urn:microsoft.com/office/officeart/2005/8/layout/hList1"/>
     <dgm:cxn modelId="{770B0EC0-C508-4825-90B9-5B104E666A34}" type="presOf" srcId="{07BDDCCC-9BCD-4459-99DE-884238162576}" destId="{EDAB58BD-A13A-4E38-92D3-EF8E9E07CBCC}" srcOrd="0" destOrd="3" presId="urn:microsoft.com/office/officeart/2005/8/layout/hList1"/>
-    <dgm:cxn modelId="{32C1A9C0-2B0E-47BD-B733-2447F60423B3}" type="presOf" srcId="{D23A2881-AD1A-4A21-8C1B-04970BF92B9A}" destId="{EDAB58BD-A13A-4E38-92D3-EF8E9E07CBCC}" srcOrd="0" destOrd="4" presId="urn:microsoft.com/office/officeart/2005/8/layout/hList1"/>
     <dgm:cxn modelId="{A7E31BC4-E7ED-4013-8FB5-AD9DBB04CD7F}" type="presOf" srcId="{2B63DDB0-A87F-4401-A3FE-8CB1B254BD01}" destId="{E7AC0264-315F-451E-BE79-2070A39A3055}" srcOrd="0" destOrd="4" presId="urn:microsoft.com/office/officeart/2005/8/layout/hList1"/>
-    <dgm:cxn modelId="{3AE826CF-C6AA-4CDA-AC65-7FF2E6605CC8}" srcId="{1D679F46-3187-42F3-8499-9E549FB8D519}" destId="{D23A2881-AD1A-4A21-8C1B-04970BF92B9A}" srcOrd="4" destOrd="0" parTransId="{D975BF0B-23FF-4F13-A8DE-D25D9E5CDD3F}" sibTransId="{5240E24D-65DA-4030-A2FB-AA074747C6CB}"/>
-    <dgm:cxn modelId="{E61BBED5-9E32-4504-9420-74E9011C221A}" srcId="{1D679F46-3187-42F3-8499-9E549FB8D519}" destId="{732B7EF6-4D52-4C95-A4C0-B8BF0DCA975D}" srcOrd="6" destOrd="0" parTransId="{F92B964A-ABFD-477C-A36E-0D62B530419A}" sibTransId="{9911BB74-97CE-4AA6-A580-59A301227FBE}"/>
+    <dgm:cxn modelId="{E61BBED5-9E32-4504-9420-74E9011C221A}" srcId="{1D679F46-3187-42F3-8499-9E549FB8D519}" destId="{732B7EF6-4D52-4C95-A4C0-B8BF0DCA975D}" srcOrd="5" destOrd="0" parTransId="{F92B964A-ABFD-477C-A36E-0D62B530419A}" sibTransId="{9911BB74-97CE-4AA6-A580-59A301227FBE}"/>
     <dgm:cxn modelId="{6D7EC7D8-C4E1-4F34-8411-85688FD3BAEA}" type="presOf" srcId="{1D679F46-3187-42F3-8499-9E549FB8D519}" destId="{0325DA3B-9347-498A-B6D5-AD071D95FB76}" srcOrd="0" destOrd="0" presId="urn:microsoft.com/office/officeart/2005/8/layout/hList1"/>
     <dgm:cxn modelId="{F7C601DC-C8CE-49A3-9A85-20588300F031}" type="presOf" srcId="{FA4C8D7E-1592-4B28-8C88-5C1B4B6CFB20}" destId="{E7AC0264-315F-451E-BE79-2070A39A3055}" srcOrd="0" destOrd="2" presId="urn:microsoft.com/office/officeart/2005/8/layout/hList1"/>
     <dgm:cxn modelId="{3AE1C1F0-A528-4B2E-878B-9111D7BC751C}" srcId="{F9D774E8-B610-44D3-B322-C70F45CC026F}" destId="{FA4C8D7E-1592-4B28-8C88-5C1B4B6CFB20}" srcOrd="2" destOrd="0" parTransId="{2840C151-D935-45C4-8FAD-391A9816CBDF}" sibTransId="{29BE3469-224F-4968-BA8F-7F85E9596304}"/>
@@ -4446,7 +4404,7 @@
   <dgm:whole/>
   <dgm:extLst>
     <a:ext uri="http://schemas.microsoft.com/office/drawing/2008/diagram">
-      <dsp:dataModelExt xmlns:dsp="http://schemas.microsoft.com/office/drawing/2008/diagram" relId="rId6" minVer="http://schemas.openxmlformats.org/drawingml/2006/diagram"/>
+      <dsp:dataModelExt xmlns:dsp="http://schemas.microsoft.com/office/drawing/2008/diagram" relId="rId7" minVer="http://schemas.openxmlformats.org/drawingml/2006/diagram"/>
     </a:ext>
   </dgm:extLst>
 </dgm:dataModel>
@@ -4467,8 +4425,8 @@
       </dsp:nvSpPr>
       <dsp:spPr>
         <a:xfrm>
-          <a:off x="51" y="80657"/>
-          <a:ext cx="4913783" cy="720000"/>
+          <a:off x="51" y="9997"/>
+          <a:ext cx="4913783" cy="1127456"/>
         </a:xfrm>
         <a:prstGeom prst="rect">
           <a:avLst/>
@@ -4511,12 +4469,12 @@
         </a:fontRef>
       </dsp:style>
       <dsp:txBody>
-        <a:bodyPr spcFirstLastPara="0" vert="horz" wrap="square" lIns="177800" tIns="101600" rIns="177800" bIns="101600" numCol="1" spcCol="1270" anchor="ctr" anchorCtr="0">
+        <a:bodyPr spcFirstLastPara="0" vert="horz" wrap="square" lIns="220472" tIns="125984" rIns="220472" bIns="125984" numCol="1" spcCol="1270" anchor="ctr" anchorCtr="0">
           <a:noAutofit/>
         </a:bodyPr>
         <a:lstStyle/>
         <a:p>
-          <a:pPr marL="0" lvl="0" indent="0" algn="ctr" defTabSz="1111250">
+          <a:pPr marL="0" lvl="0" indent="0" algn="ctr" defTabSz="1377950">
             <a:lnSpc>
               <a:spcPct val="90000"/>
             </a:lnSpc>
@@ -4529,14 +4487,14 @@
             <a:buNone/>
           </a:pPr>
           <a:r>
-            <a:rPr lang="es-CO" sz="2500" b="1" kern="1200" dirty="0"/>
+            <a:rPr lang="es-CO" sz="3100" b="1" kern="1200" dirty="0"/>
             <a:t>Medidas de tendencia o posición:</a:t>
           </a:r>
         </a:p>
       </dsp:txBody>
       <dsp:txXfrm>
-        <a:off x="51" y="80657"/>
-        <a:ext cx="4913783" cy="720000"/>
+        <a:off x="51" y="9997"/>
+        <a:ext cx="4913783" cy="1127456"/>
       </dsp:txXfrm>
     </dsp:sp>
     <dsp:sp modelId="{E7AC0264-315F-451E-BE79-2070A39A3055}">
@@ -4546,8 +4504,8 @@
       </dsp:nvSpPr>
       <dsp:spPr>
         <a:xfrm>
-          <a:off x="51" y="800657"/>
-          <a:ext cx="4913783" cy="2453343"/>
+          <a:off x="51" y="1137453"/>
+          <a:ext cx="4913783" cy="2187207"/>
         </a:xfrm>
         <a:prstGeom prst="rect">
           <a:avLst/>
@@ -4686,8 +4644,8 @@
         </a:p>
       </dsp:txBody>
       <dsp:txXfrm>
-        <a:off x="51" y="800657"/>
-        <a:ext cx="4913783" cy="2453343"/>
+        <a:off x="51" y="1137453"/>
+        <a:ext cx="4913783" cy="2187207"/>
       </dsp:txXfrm>
     </dsp:sp>
     <dsp:sp modelId="{0325DA3B-9347-498A-B6D5-AD071D95FB76}">
@@ -4697,8 +4655,8 @@
       </dsp:nvSpPr>
       <dsp:spPr>
         <a:xfrm>
-          <a:off x="5601764" y="80657"/>
-          <a:ext cx="4913783" cy="720000"/>
+          <a:off x="5601764" y="9997"/>
+          <a:ext cx="4913783" cy="1127456"/>
         </a:xfrm>
         <a:prstGeom prst="rect">
           <a:avLst/>
@@ -4790,8 +4748,8 @@
         </a:p>
       </dsp:txBody>
       <dsp:txXfrm>
-        <a:off x="5601764" y="80657"/>
-        <a:ext cx="4913783" cy="720000"/>
+        <a:off x="5601764" y="9997"/>
+        <a:ext cx="4913783" cy="1127456"/>
       </dsp:txXfrm>
     </dsp:sp>
     <dsp:sp modelId="{EDAB58BD-A13A-4E38-92D3-EF8E9E07CBCC}">
@@ -4801,8 +4759,8 @@
       </dsp:nvSpPr>
       <dsp:spPr>
         <a:xfrm>
-          <a:off x="5601764" y="800657"/>
-          <a:ext cx="4913783" cy="2453343"/>
+          <a:off x="5601764" y="1137453"/>
+          <a:ext cx="4913783" cy="2187207"/>
         </a:xfrm>
         <a:prstGeom prst="rect">
           <a:avLst/>
@@ -4961,28 +4919,6 @@
               <a:latin typeface="+mn-lt"/>
               <a:cs typeface="Times New Roman" panose="02020603050405020304" pitchFamily="18" charset="0"/>
             </a:rPr>
-            <a:t>Coeficiente de variación </a:t>
-          </a:r>
-        </a:p>
-        <a:p>
-          <a:pPr marL="171450" lvl="1" indent="-171450" algn="l" defTabSz="711200">
-            <a:lnSpc>
-              <a:spcPct val="90000"/>
-            </a:lnSpc>
-            <a:spcBef>
-              <a:spcPct val="0"/>
-            </a:spcBef>
-            <a:spcAft>
-              <a:spcPct val="15000"/>
-            </a:spcAft>
-            <a:buFont typeface="Arial" panose="020B0604020202020204" pitchFamily="34" charset="0"/>
-            <a:buChar char="•"/>
-          </a:pPr>
-          <a:r>
-            <a:rPr lang="es-CO" sz="1600" kern="1200" dirty="0">
-              <a:latin typeface="+mn-lt"/>
-              <a:cs typeface="Times New Roman" panose="02020603050405020304" pitchFamily="18" charset="0"/>
-            </a:rPr>
             <a:t>Coeficiente de asimetría </a:t>
           </a:r>
         </a:p>
@@ -5010,8 +4946,8 @@
         </a:p>
       </dsp:txBody>
       <dsp:txXfrm>
-        <a:off x="5601764" y="800657"/>
-        <a:ext cx="4913783" cy="2453343"/>
+        <a:off x="5601764" y="1137453"/>
+        <a:ext cx="4913783" cy="2187207"/>
       </dsp:txXfrm>
     </dsp:sp>
   </dsp:spTree>
@@ -6269,6 +6205,1118 @@
 </dgm:styleDef>
 </file>
 
+<file path=ppt/ink/ink1.xml><?xml version="1.0" encoding="utf-8"?>
+<inkml:ink xmlns:inkml="http://www.w3.org/2003/InkML">
+  <inkml:definitions>
+    <inkml:context xml:id="ctx0">
+      <inkml:inkSource xml:id="inkSrc0">
+        <inkml:traceFormat>
+          <inkml:channel name="X" type="integer" max="32767" units="cm"/>
+          <inkml:channel name="Y" type="integer" max="32767" units="cm"/>
+          <inkml:channel name="F" type="integer" max="8191" units="cm"/>
+          <inkml:channel name="T" type="integer" max="2.14748E9" units="dev"/>
+        </inkml:traceFormat>
+        <inkml:channelProperties>
+          <inkml:channelProperty channel="X" name="resolution" value="1612.54919" units="1/cm"/>
+          <inkml:channelProperty channel="Y" name="resolution" value="2580.07886" units="1/cm"/>
+          <inkml:channelProperty channel="F" name="resolution" value="10E-6" units="1/cm"/>
+          <inkml:channelProperty channel="T" name="resolution" value="1" units="1/dev"/>
+        </inkml:channelProperties>
+      </inkml:inkSource>
+      <inkml:timestamp xml:id="ts0" timeString="2020-08-07T06:53:09.877"/>
+    </inkml:context>
+    <inkml:brush xml:id="br0">
+      <inkml:brushProperty name="width" value="0.05292" units="cm"/>
+      <inkml:brushProperty name="height" value="0.05292" units="cm"/>
+      <inkml:brushProperty name="color" value="#FF0000"/>
+    </inkml:brush>
+  </inkml:definitions>
+  <inkml:trace contextRef="#ctx0" brushRef="#br0">13978 3660 366 0</inkml:trace>
+</inkml:ink>
+</file>
+
+<file path=ppt/ink/ink2.xml><?xml version="1.0" encoding="utf-8"?>
+<inkml:ink xmlns:inkml="http://www.w3.org/2003/InkML">
+  <inkml:definitions>
+    <inkml:context xml:id="ctx0">
+      <inkml:inkSource xml:id="inkSrc0">
+        <inkml:traceFormat>
+          <inkml:channel name="X" type="integer" max="32767" units="cm"/>
+          <inkml:channel name="Y" type="integer" max="32767" units="cm"/>
+          <inkml:channel name="F" type="integer" max="8191" units="cm"/>
+          <inkml:channel name="T" type="integer" max="2.14748E9" units="dev"/>
+        </inkml:traceFormat>
+        <inkml:channelProperties>
+          <inkml:channelProperty channel="X" name="resolution" value="1612.54919" units="1/cm"/>
+          <inkml:channelProperty channel="Y" name="resolution" value="2580.07886" units="1/cm"/>
+          <inkml:channelProperty channel="F" name="resolution" value="10E-6" units="1/cm"/>
+          <inkml:channelProperty channel="T" name="resolution" value="1" units="1/dev"/>
+        </inkml:channelProperties>
+      </inkml:inkSource>
+      <inkml:timestamp xml:id="ts0" timeString="2020-08-07T07:08:08.109"/>
+    </inkml:context>
+    <inkml:brush xml:id="br0">
+      <inkml:brushProperty name="width" value="0.05292" units="cm"/>
+      <inkml:brushProperty name="height" value="0.05292" units="cm"/>
+      <inkml:brushProperty name="color" value="#FF0000"/>
+    </inkml:brush>
+  </inkml:definitions>
+  <inkml:trace contextRef="#ctx0" brushRef="#br0">18188 12077 1246 0,'-1'0'963'16,"-2"0"-68"-16,3 0-118 0,0 0-222 15,0-2-144-15,-2 2-86 16,2-2-56-16,0 2-42 0,0 0-36 16,0-1-36-16,0 1-41 15,0-2-35-15,0 2-35 0,-3-1-238 16,2-1-209-16,-4-1-195 0,-2 0-206 16,-1 2-236-16,-1 0-212 15,-2 1-29-15</inkml:trace>
+</inkml:ink>
+</file>
+
+<file path=ppt/ink/ink3.xml><?xml version="1.0" encoding="utf-8"?>
+<inkml:ink xmlns:inkml="http://www.w3.org/2003/InkML">
+  <inkml:definitions>
+    <inkml:context xml:id="ctx0">
+      <inkml:inkSource xml:id="inkSrc0">
+        <inkml:traceFormat>
+          <inkml:channel name="X" type="integer" max="32767" units="cm"/>
+          <inkml:channel name="Y" type="integer" max="32767" units="cm"/>
+          <inkml:channel name="F" type="integer" max="8191" units="cm"/>
+          <inkml:channel name="T" type="integer" max="2.14748E9" units="dev"/>
+        </inkml:traceFormat>
+        <inkml:channelProperties>
+          <inkml:channelProperty channel="X" name="resolution" value="1612.54919" units="1/cm"/>
+          <inkml:channelProperty channel="Y" name="resolution" value="2580.07886" units="1/cm"/>
+          <inkml:channelProperty channel="F" name="resolution" value="10E-6" units="1/cm"/>
+          <inkml:channelProperty channel="T" name="resolution" value="1" units="1/dev"/>
+        </inkml:channelProperties>
+      </inkml:inkSource>
+      <inkml:timestamp xml:id="ts0" timeString="2020-08-07T07:09:26.821"/>
+    </inkml:context>
+    <inkml:brush xml:id="br0">
+      <inkml:brushProperty name="width" value="0.05292" units="cm"/>
+      <inkml:brushProperty name="height" value="0.05292" units="cm"/>
+      <inkml:brushProperty name="color" value="#FF0000"/>
+    </inkml:brush>
+  </inkml:definitions>
+  <inkml:trace contextRef="#ctx0" brushRef="#br0">10738 9973 1165 0,'5'2'869'16,"-2"-1"-119"-16,0-1-144 0,-1 0-416 0,0-1-388 15,-1-1-238-15,-1 2-185 0,0-1-161 16,-1 1-113-16</inkml:trace>
+</inkml:ink>
+</file>
+
+<file path=ppt/notesMasters/notesMaster1.xml><?xml version="1.0" encoding="utf-8"?>
+<p:notesMaster xmlns:a="http://schemas.openxmlformats.org/drawingml/2006/main" xmlns:r="http://schemas.openxmlformats.org/officeDocument/2006/relationships" xmlns:p="http://schemas.openxmlformats.org/presentationml/2006/main">
+  <p:cSld>
+    <p:bg>
+      <p:bgRef idx="1001">
+        <a:schemeClr val="bg1"/>
+      </p:bgRef>
+    </p:bg>
+    <p:spTree>
+      <p:nvGrpSpPr>
+        <p:cNvPr id="1" name=""/>
+        <p:cNvGrpSpPr/>
+        <p:nvPr/>
+      </p:nvGrpSpPr>
+      <p:grpSpPr>
+        <a:xfrm>
+          <a:off x="0" y="0"/>
+          <a:ext cx="0" cy="0"/>
+          <a:chOff x="0" y="0"/>
+          <a:chExt cx="0" cy="0"/>
+        </a:xfrm>
+      </p:grpSpPr>
+      <p:sp>
+        <p:nvSpPr>
+          <p:cNvPr id="2" name="Marcador de encabezado 1"/>
+          <p:cNvSpPr>
+            <a:spLocks noGrp="1"/>
+          </p:cNvSpPr>
+          <p:nvPr>
+            <p:ph type="hdr" sz="quarter"/>
+          </p:nvPr>
+        </p:nvSpPr>
+        <p:spPr>
+          <a:xfrm>
+            <a:off x="0" y="0"/>
+            <a:ext cx="2971800" cy="458788"/>
+          </a:xfrm>
+          <a:prstGeom prst="rect">
+            <a:avLst/>
+          </a:prstGeom>
+        </p:spPr>
+        <p:txBody>
+          <a:bodyPr vert="horz" lIns="91440" tIns="45720" rIns="91440" bIns="45720" rtlCol="0"/>
+          <a:lstStyle>
+            <a:lvl1pPr algn="l">
+              <a:defRPr sz="1200"/>
+            </a:lvl1pPr>
+          </a:lstStyle>
+          <a:p>
+            <a:endParaRPr lang="es-CO"/>
+          </a:p>
+        </p:txBody>
+      </p:sp>
+      <p:sp>
+        <p:nvSpPr>
+          <p:cNvPr id="3" name="Marcador de fecha 2"/>
+          <p:cNvSpPr>
+            <a:spLocks noGrp="1"/>
+          </p:cNvSpPr>
+          <p:nvPr>
+            <p:ph type="dt" idx="1"/>
+          </p:nvPr>
+        </p:nvSpPr>
+        <p:spPr>
+          <a:xfrm>
+            <a:off x="3884613" y="0"/>
+            <a:ext cx="2971800" cy="458788"/>
+          </a:xfrm>
+          <a:prstGeom prst="rect">
+            <a:avLst/>
+          </a:prstGeom>
+        </p:spPr>
+        <p:txBody>
+          <a:bodyPr vert="horz" lIns="91440" tIns="45720" rIns="91440" bIns="45720" rtlCol="0"/>
+          <a:lstStyle>
+            <a:lvl1pPr algn="r">
+              <a:defRPr sz="1200"/>
+            </a:lvl1pPr>
+          </a:lstStyle>
+          <a:p>
+            <a:fld id="{8C9830A9-B802-4CA1-8AF8-54A5EF890ED8}" type="datetimeFigureOut">
+              <a:rPr lang="es-CO" smtClean="0"/>
+              <a:t>9/08/2020</a:t>
+            </a:fld>
+            <a:endParaRPr lang="es-CO"/>
+          </a:p>
+        </p:txBody>
+      </p:sp>
+      <p:sp>
+        <p:nvSpPr>
+          <p:cNvPr id="4" name="Marcador de imagen de diapositiva 3"/>
+          <p:cNvSpPr>
+            <a:spLocks noGrp="1" noRot="1" noChangeAspect="1"/>
+          </p:cNvSpPr>
+          <p:nvPr>
+            <p:ph type="sldImg" idx="2"/>
+          </p:nvPr>
+        </p:nvSpPr>
+        <p:spPr>
+          <a:xfrm>
+            <a:off x="685800" y="1143000"/>
+            <a:ext cx="5486400" cy="3086100"/>
+          </a:xfrm>
+          <a:prstGeom prst="rect">
+            <a:avLst/>
+          </a:prstGeom>
+          <a:noFill/>
+          <a:ln w="12700">
+            <a:solidFill>
+              <a:prstClr val="black"/>
+            </a:solidFill>
+          </a:ln>
+        </p:spPr>
+        <p:txBody>
+          <a:bodyPr vert="horz" lIns="91440" tIns="45720" rIns="91440" bIns="45720" rtlCol="0" anchor="ctr"/>
+          <a:lstStyle/>
+          <a:p>
+            <a:endParaRPr lang="es-CO"/>
+          </a:p>
+        </p:txBody>
+      </p:sp>
+      <p:sp>
+        <p:nvSpPr>
+          <p:cNvPr id="5" name="Marcador de notas 4"/>
+          <p:cNvSpPr>
+            <a:spLocks noGrp="1"/>
+          </p:cNvSpPr>
+          <p:nvPr>
+            <p:ph type="body" sz="quarter" idx="3"/>
+          </p:nvPr>
+        </p:nvSpPr>
+        <p:spPr>
+          <a:xfrm>
+            <a:off x="685800" y="4400550"/>
+            <a:ext cx="5486400" cy="3600450"/>
+          </a:xfrm>
+          <a:prstGeom prst="rect">
+            <a:avLst/>
+          </a:prstGeom>
+        </p:spPr>
+        <p:txBody>
+          <a:bodyPr vert="horz" lIns="91440" tIns="45720" rIns="91440" bIns="45720" rtlCol="0"/>
+          <a:lstStyle/>
+          <a:p>
+            <a:pPr lvl="0"/>
+            <a:r>
+              <a:rPr lang="es-ES"/>
+              <a:t>Haga clic para modificar los estilos de texto del patrón</a:t>
+            </a:r>
+          </a:p>
+          <a:p>
+            <a:pPr lvl="1"/>
+            <a:r>
+              <a:rPr lang="es-ES"/>
+              <a:t>Segundo nivel</a:t>
+            </a:r>
+          </a:p>
+          <a:p>
+            <a:pPr lvl="2"/>
+            <a:r>
+              <a:rPr lang="es-ES"/>
+              <a:t>Tercer nivel</a:t>
+            </a:r>
+          </a:p>
+          <a:p>
+            <a:pPr lvl="3"/>
+            <a:r>
+              <a:rPr lang="es-ES"/>
+              <a:t>Cuarto nivel</a:t>
+            </a:r>
+          </a:p>
+          <a:p>
+            <a:pPr lvl="4"/>
+            <a:r>
+              <a:rPr lang="es-ES"/>
+              <a:t>Quinto nivel</a:t>
+            </a:r>
+            <a:endParaRPr lang="es-CO"/>
+          </a:p>
+        </p:txBody>
+      </p:sp>
+      <p:sp>
+        <p:nvSpPr>
+          <p:cNvPr id="6" name="Marcador de pie de página 5"/>
+          <p:cNvSpPr>
+            <a:spLocks noGrp="1"/>
+          </p:cNvSpPr>
+          <p:nvPr>
+            <p:ph type="ftr" sz="quarter" idx="4"/>
+          </p:nvPr>
+        </p:nvSpPr>
+        <p:spPr>
+          <a:xfrm>
+            <a:off x="0" y="8685213"/>
+            <a:ext cx="2971800" cy="458787"/>
+          </a:xfrm>
+          <a:prstGeom prst="rect">
+            <a:avLst/>
+          </a:prstGeom>
+        </p:spPr>
+        <p:txBody>
+          <a:bodyPr vert="horz" lIns="91440" tIns="45720" rIns="91440" bIns="45720" rtlCol="0" anchor="b"/>
+          <a:lstStyle>
+            <a:lvl1pPr algn="l">
+              <a:defRPr sz="1200"/>
+            </a:lvl1pPr>
+          </a:lstStyle>
+          <a:p>
+            <a:endParaRPr lang="es-CO"/>
+          </a:p>
+        </p:txBody>
+      </p:sp>
+      <p:sp>
+        <p:nvSpPr>
+          <p:cNvPr id="7" name="Marcador de número de diapositiva 6"/>
+          <p:cNvSpPr>
+            <a:spLocks noGrp="1"/>
+          </p:cNvSpPr>
+          <p:nvPr>
+            <p:ph type="sldNum" sz="quarter" idx="5"/>
+          </p:nvPr>
+        </p:nvSpPr>
+        <p:spPr>
+          <a:xfrm>
+            <a:off x="3884613" y="8685213"/>
+            <a:ext cx="2971800" cy="458787"/>
+          </a:xfrm>
+          <a:prstGeom prst="rect">
+            <a:avLst/>
+          </a:prstGeom>
+        </p:spPr>
+        <p:txBody>
+          <a:bodyPr vert="horz" lIns="91440" tIns="45720" rIns="91440" bIns="45720" rtlCol="0" anchor="b"/>
+          <a:lstStyle>
+            <a:lvl1pPr algn="r">
+              <a:defRPr sz="1200"/>
+            </a:lvl1pPr>
+          </a:lstStyle>
+          <a:p>
+            <a:fld id="{4457893A-1EC9-40BF-96CB-4B88A1AFEC93}" type="slidenum">
+              <a:rPr lang="es-CO" smtClean="0"/>
+              <a:t>‹Nº›</a:t>
+            </a:fld>
+            <a:endParaRPr lang="es-CO"/>
+          </a:p>
+        </p:txBody>
+      </p:sp>
+    </p:spTree>
+    <p:extLst>
+      <p:ext uri="{BB962C8B-B14F-4D97-AF65-F5344CB8AC3E}">
+        <p14:creationId xmlns:p14="http://schemas.microsoft.com/office/powerpoint/2010/main" val="3275235249"/>
+      </p:ext>
+    </p:extLst>
+  </p:cSld>
+  <p:clrMap bg1="lt1" tx1="dk1" bg2="lt2" tx2="dk2" accent1="accent1" accent2="accent2" accent3="accent3" accent4="accent4" accent5="accent5" accent6="accent6" hlink="hlink" folHlink="folHlink"/>
+  <p:notesStyle>
+    <a:lvl1pPr marL="0" algn="l" defTabSz="914400" rtl="0" eaLnBrk="1" latinLnBrk="0" hangingPunct="1">
+      <a:defRPr sz="1200" kern="1200">
+        <a:solidFill>
+          <a:schemeClr val="tx1"/>
+        </a:solidFill>
+        <a:latin typeface="+mn-lt"/>
+        <a:ea typeface="+mn-ea"/>
+        <a:cs typeface="+mn-cs"/>
+      </a:defRPr>
+    </a:lvl1pPr>
+    <a:lvl2pPr marL="457200" algn="l" defTabSz="914400" rtl="0" eaLnBrk="1" latinLnBrk="0" hangingPunct="1">
+      <a:defRPr sz="1200" kern="1200">
+        <a:solidFill>
+          <a:schemeClr val="tx1"/>
+        </a:solidFill>
+        <a:latin typeface="+mn-lt"/>
+        <a:ea typeface="+mn-ea"/>
+        <a:cs typeface="+mn-cs"/>
+      </a:defRPr>
+    </a:lvl2pPr>
+    <a:lvl3pPr marL="914400" algn="l" defTabSz="914400" rtl="0" eaLnBrk="1" latinLnBrk="0" hangingPunct="1">
+      <a:defRPr sz="1200" kern="1200">
+        <a:solidFill>
+          <a:schemeClr val="tx1"/>
+        </a:solidFill>
+        <a:latin typeface="+mn-lt"/>
+        <a:ea typeface="+mn-ea"/>
+        <a:cs typeface="+mn-cs"/>
+      </a:defRPr>
+    </a:lvl3pPr>
+    <a:lvl4pPr marL="1371600" algn="l" defTabSz="914400" rtl="0" eaLnBrk="1" latinLnBrk="0" hangingPunct="1">
+      <a:defRPr sz="1200" kern="1200">
+        <a:solidFill>
+          <a:schemeClr val="tx1"/>
+        </a:solidFill>
+        <a:latin typeface="+mn-lt"/>
+        <a:ea typeface="+mn-ea"/>
+        <a:cs typeface="+mn-cs"/>
+      </a:defRPr>
+    </a:lvl4pPr>
+    <a:lvl5pPr marL="1828800" algn="l" defTabSz="914400" rtl="0" eaLnBrk="1" latinLnBrk="0" hangingPunct="1">
+      <a:defRPr sz="1200" kern="1200">
+        <a:solidFill>
+          <a:schemeClr val="tx1"/>
+        </a:solidFill>
+        <a:latin typeface="+mn-lt"/>
+        <a:ea typeface="+mn-ea"/>
+        <a:cs typeface="+mn-cs"/>
+      </a:defRPr>
+    </a:lvl5pPr>
+    <a:lvl6pPr marL="2286000" algn="l" defTabSz="914400" rtl="0" eaLnBrk="1" latinLnBrk="0" hangingPunct="1">
+      <a:defRPr sz="1200" kern="1200">
+        <a:solidFill>
+          <a:schemeClr val="tx1"/>
+        </a:solidFill>
+        <a:latin typeface="+mn-lt"/>
+        <a:ea typeface="+mn-ea"/>
+        <a:cs typeface="+mn-cs"/>
+      </a:defRPr>
+    </a:lvl6pPr>
+    <a:lvl7pPr marL="2743200" algn="l" defTabSz="914400" rtl="0" eaLnBrk="1" latinLnBrk="0" hangingPunct="1">
+      <a:defRPr sz="1200" kern="1200">
+        <a:solidFill>
+          <a:schemeClr val="tx1"/>
+        </a:solidFill>
+        <a:latin typeface="+mn-lt"/>
+        <a:ea typeface="+mn-ea"/>
+        <a:cs typeface="+mn-cs"/>
+      </a:defRPr>
+    </a:lvl7pPr>
+    <a:lvl8pPr marL="3200400" algn="l" defTabSz="914400" rtl="0" eaLnBrk="1" latinLnBrk="0" hangingPunct="1">
+      <a:defRPr sz="1200" kern="1200">
+        <a:solidFill>
+          <a:schemeClr val="tx1"/>
+        </a:solidFill>
+        <a:latin typeface="+mn-lt"/>
+        <a:ea typeface="+mn-ea"/>
+        <a:cs typeface="+mn-cs"/>
+      </a:defRPr>
+    </a:lvl8pPr>
+    <a:lvl9pPr marL="3657600" algn="l" defTabSz="914400" rtl="0" eaLnBrk="1" latinLnBrk="0" hangingPunct="1">
+      <a:defRPr sz="1200" kern="1200">
+        <a:solidFill>
+          <a:schemeClr val="tx1"/>
+        </a:solidFill>
+        <a:latin typeface="+mn-lt"/>
+        <a:ea typeface="+mn-ea"/>
+        <a:cs typeface="+mn-cs"/>
+      </a:defRPr>
+    </a:lvl9pPr>
+  </p:notesStyle>
+</p:notesMaster>
+</file>
+
+<file path=ppt/notesSlides/notesSlide1.xml><?xml version="1.0" encoding="utf-8"?>
+<p:notes xmlns:a="http://schemas.openxmlformats.org/drawingml/2006/main" xmlns:r="http://schemas.openxmlformats.org/officeDocument/2006/relationships" xmlns:p="http://schemas.openxmlformats.org/presentationml/2006/main">
+  <p:cSld>
+    <p:spTree>
+      <p:nvGrpSpPr>
+        <p:cNvPr id="1" name=""/>
+        <p:cNvGrpSpPr/>
+        <p:nvPr/>
+      </p:nvGrpSpPr>
+      <p:grpSpPr>
+        <a:xfrm>
+          <a:off x="0" y="0"/>
+          <a:ext cx="0" cy="0"/>
+          <a:chOff x="0" y="0"/>
+          <a:chExt cx="0" cy="0"/>
+        </a:xfrm>
+      </p:grpSpPr>
+      <p:sp>
+        <p:nvSpPr>
+          <p:cNvPr id="2" name="Marcador de imagen de diapositiva 1"/>
+          <p:cNvSpPr>
+            <a:spLocks noGrp="1" noRot="1" noChangeAspect="1"/>
+          </p:cNvSpPr>
+          <p:nvPr>
+            <p:ph type="sldImg"/>
+          </p:nvPr>
+        </p:nvSpPr>
+        <p:spPr/>
+      </p:sp>
+      <p:sp>
+        <p:nvSpPr>
+          <p:cNvPr id="3" name="Marcador de notas 2"/>
+          <p:cNvSpPr>
+            <a:spLocks noGrp="1"/>
+          </p:cNvSpPr>
+          <p:nvPr>
+            <p:ph type="body" idx="1"/>
+          </p:nvPr>
+        </p:nvSpPr>
+        <p:spPr/>
+        <p:txBody>
+          <a:bodyPr/>
+          <a:lstStyle/>
+          <a:p>
+            <a:endParaRPr lang="es-CO"/>
+          </a:p>
+        </p:txBody>
+      </p:sp>
+      <p:sp>
+        <p:nvSpPr>
+          <p:cNvPr id="4" name="Marcador de número de diapositiva 3"/>
+          <p:cNvSpPr>
+            <a:spLocks noGrp="1"/>
+          </p:cNvSpPr>
+          <p:nvPr>
+            <p:ph type="sldNum" sz="quarter" idx="5"/>
+          </p:nvPr>
+        </p:nvSpPr>
+        <p:spPr/>
+        <p:txBody>
+          <a:bodyPr/>
+          <a:lstStyle/>
+          <a:p>
+            <a:fld id="{4457893A-1EC9-40BF-96CB-4B88A1AFEC93}" type="slidenum">
+              <a:rPr lang="es-CO" smtClean="0"/>
+              <a:t>1</a:t>
+            </a:fld>
+            <a:endParaRPr lang="es-CO"/>
+          </a:p>
+        </p:txBody>
+      </p:sp>
+    </p:spTree>
+    <p:extLst>
+      <p:ext uri="{BB962C8B-B14F-4D97-AF65-F5344CB8AC3E}">
+        <p14:creationId xmlns:p14="http://schemas.microsoft.com/office/powerpoint/2010/main" val="668350480"/>
+      </p:ext>
+    </p:extLst>
+  </p:cSld>
+  <p:clrMapOvr>
+    <a:masterClrMapping/>
+  </p:clrMapOvr>
+</p:notes>
+</file>
+
+<file path=ppt/notesSlides/notesSlide2.xml><?xml version="1.0" encoding="utf-8"?>
+<p:notes xmlns:a="http://schemas.openxmlformats.org/drawingml/2006/main" xmlns:r="http://schemas.openxmlformats.org/officeDocument/2006/relationships" xmlns:p="http://schemas.openxmlformats.org/presentationml/2006/main">
+  <p:cSld>
+    <p:spTree>
+      <p:nvGrpSpPr>
+        <p:cNvPr id="1" name=""/>
+        <p:cNvGrpSpPr/>
+        <p:nvPr/>
+      </p:nvGrpSpPr>
+      <p:grpSpPr>
+        <a:xfrm>
+          <a:off x="0" y="0"/>
+          <a:ext cx="0" cy="0"/>
+          <a:chOff x="0" y="0"/>
+          <a:chExt cx="0" cy="0"/>
+        </a:xfrm>
+      </p:grpSpPr>
+      <p:sp>
+        <p:nvSpPr>
+          <p:cNvPr id="2" name="Marcador de imagen de diapositiva 1"/>
+          <p:cNvSpPr>
+            <a:spLocks noGrp="1" noRot="1" noChangeAspect="1"/>
+          </p:cNvSpPr>
+          <p:nvPr>
+            <p:ph type="sldImg"/>
+          </p:nvPr>
+        </p:nvSpPr>
+        <p:spPr/>
+      </p:sp>
+      <p:sp>
+        <p:nvSpPr>
+          <p:cNvPr id="3" name="Marcador de notas 2"/>
+          <p:cNvSpPr>
+            <a:spLocks noGrp="1"/>
+          </p:cNvSpPr>
+          <p:nvPr>
+            <p:ph type="body" idx="1"/>
+          </p:nvPr>
+        </p:nvSpPr>
+        <p:spPr/>
+        <p:txBody>
+          <a:bodyPr/>
+          <a:lstStyle/>
+          <a:p>
+            <a:endParaRPr lang="es-CO"/>
+          </a:p>
+        </p:txBody>
+      </p:sp>
+      <p:sp>
+        <p:nvSpPr>
+          <p:cNvPr id="4" name="Marcador de número de diapositiva 3"/>
+          <p:cNvSpPr>
+            <a:spLocks noGrp="1"/>
+          </p:cNvSpPr>
+          <p:nvPr>
+            <p:ph type="sldNum" sz="quarter" idx="5"/>
+          </p:nvPr>
+        </p:nvSpPr>
+        <p:spPr/>
+        <p:txBody>
+          <a:bodyPr/>
+          <a:lstStyle/>
+          <a:p>
+            <a:fld id="{4457893A-1EC9-40BF-96CB-4B88A1AFEC93}" type="slidenum">
+              <a:rPr lang="es-CO" smtClean="0"/>
+              <a:t>2</a:t>
+            </a:fld>
+            <a:endParaRPr lang="es-CO"/>
+          </a:p>
+        </p:txBody>
+      </p:sp>
+    </p:spTree>
+    <p:extLst>
+      <p:ext uri="{BB962C8B-B14F-4D97-AF65-F5344CB8AC3E}">
+        <p14:creationId xmlns:p14="http://schemas.microsoft.com/office/powerpoint/2010/main" val="761437859"/>
+      </p:ext>
+    </p:extLst>
+  </p:cSld>
+  <p:clrMapOvr>
+    <a:masterClrMapping/>
+  </p:clrMapOvr>
+</p:notes>
+</file>
+
+<file path=ppt/notesSlides/notesSlide3.xml><?xml version="1.0" encoding="utf-8"?>
+<p:notes xmlns:a="http://schemas.openxmlformats.org/drawingml/2006/main" xmlns:r="http://schemas.openxmlformats.org/officeDocument/2006/relationships" xmlns:p="http://schemas.openxmlformats.org/presentationml/2006/main">
+  <p:cSld>
+    <p:spTree>
+      <p:nvGrpSpPr>
+        <p:cNvPr id="1" name=""/>
+        <p:cNvGrpSpPr/>
+        <p:nvPr/>
+      </p:nvGrpSpPr>
+      <p:grpSpPr>
+        <a:xfrm>
+          <a:off x="0" y="0"/>
+          <a:ext cx="0" cy="0"/>
+          <a:chOff x="0" y="0"/>
+          <a:chExt cx="0" cy="0"/>
+        </a:xfrm>
+      </p:grpSpPr>
+      <p:sp>
+        <p:nvSpPr>
+          <p:cNvPr id="2" name="Marcador de imagen de diapositiva 1"/>
+          <p:cNvSpPr>
+            <a:spLocks noGrp="1" noRot="1" noChangeAspect="1"/>
+          </p:cNvSpPr>
+          <p:nvPr>
+            <p:ph type="sldImg"/>
+          </p:nvPr>
+        </p:nvSpPr>
+        <p:spPr/>
+      </p:sp>
+      <p:sp>
+        <p:nvSpPr>
+          <p:cNvPr id="3" name="Marcador de notas 2"/>
+          <p:cNvSpPr>
+            <a:spLocks noGrp="1"/>
+          </p:cNvSpPr>
+          <p:nvPr>
+            <p:ph type="body" idx="1"/>
+          </p:nvPr>
+        </p:nvSpPr>
+        <p:spPr/>
+        <p:txBody>
+          <a:bodyPr/>
+          <a:lstStyle/>
+          <a:p>
+            <a:endParaRPr lang="es-CO"/>
+          </a:p>
+        </p:txBody>
+      </p:sp>
+      <p:sp>
+        <p:nvSpPr>
+          <p:cNvPr id="4" name="Marcador de número de diapositiva 3"/>
+          <p:cNvSpPr>
+            <a:spLocks noGrp="1"/>
+          </p:cNvSpPr>
+          <p:nvPr>
+            <p:ph type="sldNum" sz="quarter" idx="5"/>
+          </p:nvPr>
+        </p:nvSpPr>
+        <p:spPr/>
+        <p:txBody>
+          <a:bodyPr/>
+          <a:lstStyle/>
+          <a:p>
+            <a:fld id="{4457893A-1EC9-40BF-96CB-4B88A1AFEC93}" type="slidenum">
+              <a:rPr lang="es-CO" smtClean="0"/>
+              <a:t>3</a:t>
+            </a:fld>
+            <a:endParaRPr lang="es-CO"/>
+          </a:p>
+        </p:txBody>
+      </p:sp>
+    </p:spTree>
+    <p:extLst>
+      <p:ext uri="{BB962C8B-B14F-4D97-AF65-F5344CB8AC3E}">
+        <p14:creationId xmlns:p14="http://schemas.microsoft.com/office/powerpoint/2010/main" val="526014533"/>
+      </p:ext>
+    </p:extLst>
+  </p:cSld>
+  <p:clrMapOvr>
+    <a:masterClrMapping/>
+  </p:clrMapOvr>
+</p:notes>
+</file>
+
+<file path=ppt/notesSlides/notesSlide4.xml><?xml version="1.0" encoding="utf-8"?>
+<p:notes xmlns:a="http://schemas.openxmlformats.org/drawingml/2006/main" xmlns:r="http://schemas.openxmlformats.org/officeDocument/2006/relationships" xmlns:p="http://schemas.openxmlformats.org/presentationml/2006/main">
+  <p:cSld>
+    <p:spTree>
+      <p:nvGrpSpPr>
+        <p:cNvPr id="1" name=""/>
+        <p:cNvGrpSpPr/>
+        <p:nvPr/>
+      </p:nvGrpSpPr>
+      <p:grpSpPr>
+        <a:xfrm>
+          <a:off x="0" y="0"/>
+          <a:ext cx="0" cy="0"/>
+          <a:chOff x="0" y="0"/>
+          <a:chExt cx="0" cy="0"/>
+        </a:xfrm>
+      </p:grpSpPr>
+      <p:sp>
+        <p:nvSpPr>
+          <p:cNvPr id="2" name="Marcador de imagen de diapositiva 1"/>
+          <p:cNvSpPr>
+            <a:spLocks noGrp="1" noRot="1" noChangeAspect="1"/>
+          </p:cNvSpPr>
+          <p:nvPr>
+            <p:ph type="sldImg"/>
+          </p:nvPr>
+        </p:nvSpPr>
+        <p:spPr/>
+      </p:sp>
+      <p:sp>
+        <p:nvSpPr>
+          <p:cNvPr id="3" name="Marcador de notas 2"/>
+          <p:cNvSpPr>
+            <a:spLocks noGrp="1"/>
+          </p:cNvSpPr>
+          <p:nvPr>
+            <p:ph type="body" idx="1"/>
+          </p:nvPr>
+        </p:nvSpPr>
+        <p:spPr/>
+        <p:txBody>
+          <a:bodyPr/>
+          <a:lstStyle/>
+          <a:p>
+            <a:endParaRPr lang="es-CO"/>
+          </a:p>
+        </p:txBody>
+      </p:sp>
+      <p:sp>
+        <p:nvSpPr>
+          <p:cNvPr id="4" name="Marcador de número de diapositiva 3"/>
+          <p:cNvSpPr>
+            <a:spLocks noGrp="1"/>
+          </p:cNvSpPr>
+          <p:nvPr>
+            <p:ph type="sldNum" sz="quarter" idx="5"/>
+          </p:nvPr>
+        </p:nvSpPr>
+        <p:spPr/>
+        <p:txBody>
+          <a:bodyPr/>
+          <a:lstStyle/>
+          <a:p>
+            <a:fld id="{4457893A-1EC9-40BF-96CB-4B88A1AFEC93}" type="slidenum">
+              <a:rPr lang="es-CO" smtClean="0"/>
+              <a:t>4</a:t>
+            </a:fld>
+            <a:endParaRPr lang="es-CO"/>
+          </a:p>
+        </p:txBody>
+      </p:sp>
+    </p:spTree>
+    <p:extLst>
+      <p:ext uri="{BB962C8B-B14F-4D97-AF65-F5344CB8AC3E}">
+        <p14:creationId xmlns:p14="http://schemas.microsoft.com/office/powerpoint/2010/main" val="3942537191"/>
+      </p:ext>
+    </p:extLst>
+  </p:cSld>
+  <p:clrMapOvr>
+    <a:masterClrMapping/>
+  </p:clrMapOvr>
+</p:notes>
+</file>
+
+<file path=ppt/notesSlides/notesSlide5.xml><?xml version="1.0" encoding="utf-8"?>
+<p:notes xmlns:a="http://schemas.openxmlformats.org/drawingml/2006/main" xmlns:r="http://schemas.openxmlformats.org/officeDocument/2006/relationships" xmlns:p="http://schemas.openxmlformats.org/presentationml/2006/main">
+  <p:cSld>
+    <p:spTree>
+      <p:nvGrpSpPr>
+        <p:cNvPr id="1" name=""/>
+        <p:cNvGrpSpPr/>
+        <p:nvPr/>
+      </p:nvGrpSpPr>
+      <p:grpSpPr>
+        <a:xfrm>
+          <a:off x="0" y="0"/>
+          <a:ext cx="0" cy="0"/>
+          <a:chOff x="0" y="0"/>
+          <a:chExt cx="0" cy="0"/>
+        </a:xfrm>
+      </p:grpSpPr>
+      <p:sp>
+        <p:nvSpPr>
+          <p:cNvPr id="2" name="Marcador de imagen de diapositiva 1"/>
+          <p:cNvSpPr>
+            <a:spLocks noGrp="1" noRot="1" noChangeAspect="1"/>
+          </p:cNvSpPr>
+          <p:nvPr>
+            <p:ph type="sldImg"/>
+          </p:nvPr>
+        </p:nvSpPr>
+        <p:spPr/>
+      </p:sp>
+      <p:sp>
+        <p:nvSpPr>
+          <p:cNvPr id="3" name="Marcador de notas 2"/>
+          <p:cNvSpPr>
+            <a:spLocks noGrp="1"/>
+          </p:cNvSpPr>
+          <p:nvPr>
+            <p:ph type="body" idx="1"/>
+          </p:nvPr>
+        </p:nvSpPr>
+        <p:spPr/>
+        <p:txBody>
+          <a:bodyPr/>
+          <a:lstStyle/>
+          <a:p>
+            <a:endParaRPr lang="es-CO"/>
+          </a:p>
+        </p:txBody>
+      </p:sp>
+      <p:sp>
+        <p:nvSpPr>
+          <p:cNvPr id="4" name="Marcador de número de diapositiva 3"/>
+          <p:cNvSpPr>
+            <a:spLocks noGrp="1"/>
+          </p:cNvSpPr>
+          <p:nvPr>
+            <p:ph type="sldNum" sz="quarter" idx="5"/>
+          </p:nvPr>
+        </p:nvSpPr>
+        <p:spPr/>
+        <p:txBody>
+          <a:bodyPr/>
+          <a:lstStyle/>
+          <a:p>
+            <a:fld id="{4457893A-1EC9-40BF-96CB-4B88A1AFEC93}" type="slidenum">
+              <a:rPr lang="es-CO" smtClean="0"/>
+              <a:t>5</a:t>
+            </a:fld>
+            <a:endParaRPr lang="es-CO"/>
+          </a:p>
+        </p:txBody>
+      </p:sp>
+    </p:spTree>
+    <p:extLst>
+      <p:ext uri="{BB962C8B-B14F-4D97-AF65-F5344CB8AC3E}">
+        <p14:creationId xmlns:p14="http://schemas.microsoft.com/office/powerpoint/2010/main" val="3531139556"/>
+      </p:ext>
+    </p:extLst>
+  </p:cSld>
+  <p:clrMapOvr>
+    <a:masterClrMapping/>
+  </p:clrMapOvr>
+</p:notes>
+</file>
+
+<file path=ppt/notesSlides/notesSlide6.xml><?xml version="1.0" encoding="utf-8"?>
+<p:notes xmlns:a="http://schemas.openxmlformats.org/drawingml/2006/main" xmlns:r="http://schemas.openxmlformats.org/officeDocument/2006/relationships" xmlns:p="http://schemas.openxmlformats.org/presentationml/2006/main">
+  <p:cSld>
+    <p:spTree>
+      <p:nvGrpSpPr>
+        <p:cNvPr id="1" name=""/>
+        <p:cNvGrpSpPr/>
+        <p:nvPr/>
+      </p:nvGrpSpPr>
+      <p:grpSpPr>
+        <a:xfrm>
+          <a:off x="0" y="0"/>
+          <a:ext cx="0" cy="0"/>
+          <a:chOff x="0" y="0"/>
+          <a:chExt cx="0" cy="0"/>
+        </a:xfrm>
+      </p:grpSpPr>
+      <p:sp>
+        <p:nvSpPr>
+          <p:cNvPr id="2" name="Marcador de imagen de diapositiva 1"/>
+          <p:cNvSpPr>
+            <a:spLocks noGrp="1" noRot="1" noChangeAspect="1"/>
+          </p:cNvSpPr>
+          <p:nvPr>
+            <p:ph type="sldImg"/>
+          </p:nvPr>
+        </p:nvSpPr>
+        <p:spPr/>
+      </p:sp>
+      <p:sp>
+        <p:nvSpPr>
+          <p:cNvPr id="3" name="Marcador de notas 2"/>
+          <p:cNvSpPr>
+            <a:spLocks noGrp="1"/>
+          </p:cNvSpPr>
+          <p:nvPr>
+            <p:ph type="body" idx="1"/>
+          </p:nvPr>
+        </p:nvSpPr>
+        <p:spPr/>
+        <p:txBody>
+          <a:bodyPr/>
+          <a:lstStyle/>
+          <a:p>
+            <a:endParaRPr lang="es-CO"/>
+          </a:p>
+        </p:txBody>
+      </p:sp>
+      <p:sp>
+        <p:nvSpPr>
+          <p:cNvPr id="4" name="Marcador de número de diapositiva 3"/>
+          <p:cNvSpPr>
+            <a:spLocks noGrp="1"/>
+          </p:cNvSpPr>
+          <p:nvPr>
+            <p:ph type="sldNum" sz="quarter" idx="5"/>
+          </p:nvPr>
+        </p:nvSpPr>
+        <p:spPr/>
+        <p:txBody>
+          <a:bodyPr/>
+          <a:lstStyle/>
+          <a:p>
+            <a:fld id="{4457893A-1EC9-40BF-96CB-4B88A1AFEC93}" type="slidenum">
+              <a:rPr lang="es-CO" smtClean="0"/>
+              <a:t>6</a:t>
+            </a:fld>
+            <a:endParaRPr lang="es-CO"/>
+          </a:p>
+        </p:txBody>
+      </p:sp>
+    </p:spTree>
+    <p:extLst>
+      <p:ext uri="{BB962C8B-B14F-4D97-AF65-F5344CB8AC3E}">
+        <p14:creationId xmlns:p14="http://schemas.microsoft.com/office/powerpoint/2010/main" val="1273427515"/>
+      </p:ext>
+    </p:extLst>
+  </p:cSld>
+  <p:clrMapOvr>
+    <a:masterClrMapping/>
+  </p:clrMapOvr>
+</p:notes>
+</file>
+
+<file path=ppt/notesSlides/notesSlide7.xml><?xml version="1.0" encoding="utf-8"?>
+<p:notes xmlns:a="http://schemas.openxmlformats.org/drawingml/2006/main" xmlns:r="http://schemas.openxmlformats.org/officeDocument/2006/relationships" xmlns:p="http://schemas.openxmlformats.org/presentationml/2006/main">
+  <p:cSld>
+    <p:spTree>
+      <p:nvGrpSpPr>
+        <p:cNvPr id="1" name=""/>
+        <p:cNvGrpSpPr/>
+        <p:nvPr/>
+      </p:nvGrpSpPr>
+      <p:grpSpPr>
+        <a:xfrm>
+          <a:off x="0" y="0"/>
+          <a:ext cx="0" cy="0"/>
+          <a:chOff x="0" y="0"/>
+          <a:chExt cx="0" cy="0"/>
+        </a:xfrm>
+      </p:grpSpPr>
+      <p:sp>
+        <p:nvSpPr>
+          <p:cNvPr id="2" name="Marcador de imagen de diapositiva 1"/>
+          <p:cNvSpPr>
+            <a:spLocks noGrp="1" noRot="1" noChangeAspect="1"/>
+          </p:cNvSpPr>
+          <p:nvPr>
+            <p:ph type="sldImg"/>
+          </p:nvPr>
+        </p:nvSpPr>
+        <p:spPr/>
+      </p:sp>
+      <p:sp>
+        <p:nvSpPr>
+          <p:cNvPr id="3" name="Marcador de notas 2"/>
+          <p:cNvSpPr>
+            <a:spLocks noGrp="1"/>
+          </p:cNvSpPr>
+          <p:nvPr>
+            <p:ph type="body" idx="1"/>
+          </p:nvPr>
+        </p:nvSpPr>
+        <p:spPr/>
+        <p:txBody>
+          <a:bodyPr/>
+          <a:lstStyle/>
+          <a:p>
+            <a:endParaRPr lang="es-CO"/>
+          </a:p>
+        </p:txBody>
+      </p:sp>
+      <p:sp>
+        <p:nvSpPr>
+          <p:cNvPr id="4" name="Marcador de número de diapositiva 3"/>
+          <p:cNvSpPr>
+            <a:spLocks noGrp="1"/>
+          </p:cNvSpPr>
+          <p:nvPr>
+            <p:ph type="sldNum" sz="quarter" idx="5"/>
+          </p:nvPr>
+        </p:nvSpPr>
+        <p:spPr/>
+        <p:txBody>
+          <a:bodyPr/>
+          <a:lstStyle/>
+          <a:p>
+            <a:fld id="{4457893A-1EC9-40BF-96CB-4B88A1AFEC93}" type="slidenum">
+              <a:rPr lang="es-CO" smtClean="0"/>
+              <a:t>7</a:t>
+            </a:fld>
+            <a:endParaRPr lang="es-CO"/>
+          </a:p>
+        </p:txBody>
+      </p:sp>
+    </p:spTree>
+    <p:extLst>
+      <p:ext uri="{BB962C8B-B14F-4D97-AF65-F5344CB8AC3E}">
+        <p14:creationId xmlns:p14="http://schemas.microsoft.com/office/powerpoint/2010/main" val="2394073658"/>
+      </p:ext>
+    </p:extLst>
+  </p:cSld>
+  <p:clrMapOvr>
+    <a:masterClrMapping/>
+  </p:clrMapOvr>
+</p:notes>
+</file>
+
+<file path=ppt/notesSlides/notesSlide8.xml><?xml version="1.0" encoding="utf-8"?>
+<p:notes xmlns:a="http://schemas.openxmlformats.org/drawingml/2006/main" xmlns:r="http://schemas.openxmlformats.org/officeDocument/2006/relationships" xmlns:p="http://schemas.openxmlformats.org/presentationml/2006/main">
+  <p:cSld>
+    <p:spTree>
+      <p:nvGrpSpPr>
+        <p:cNvPr id="1" name=""/>
+        <p:cNvGrpSpPr/>
+        <p:nvPr/>
+      </p:nvGrpSpPr>
+      <p:grpSpPr>
+        <a:xfrm>
+          <a:off x="0" y="0"/>
+          <a:ext cx="0" cy="0"/>
+          <a:chOff x="0" y="0"/>
+          <a:chExt cx="0" cy="0"/>
+        </a:xfrm>
+      </p:grpSpPr>
+      <p:sp>
+        <p:nvSpPr>
+          <p:cNvPr id="2" name="Marcador de imagen de diapositiva 1"/>
+          <p:cNvSpPr>
+            <a:spLocks noGrp="1" noRot="1" noChangeAspect="1"/>
+          </p:cNvSpPr>
+          <p:nvPr>
+            <p:ph type="sldImg"/>
+          </p:nvPr>
+        </p:nvSpPr>
+        <p:spPr/>
+      </p:sp>
+      <p:sp>
+        <p:nvSpPr>
+          <p:cNvPr id="3" name="Marcador de notas 2"/>
+          <p:cNvSpPr>
+            <a:spLocks noGrp="1"/>
+          </p:cNvSpPr>
+          <p:nvPr>
+            <p:ph type="body" idx="1"/>
+          </p:nvPr>
+        </p:nvSpPr>
+        <p:spPr/>
+        <p:txBody>
+          <a:bodyPr/>
+          <a:lstStyle/>
+          <a:p>
+            <a:endParaRPr lang="es-CO"/>
+          </a:p>
+        </p:txBody>
+      </p:sp>
+      <p:sp>
+        <p:nvSpPr>
+          <p:cNvPr id="4" name="Marcador de número de diapositiva 3"/>
+          <p:cNvSpPr>
+            <a:spLocks noGrp="1"/>
+          </p:cNvSpPr>
+          <p:nvPr>
+            <p:ph type="sldNum" sz="quarter" idx="5"/>
+          </p:nvPr>
+        </p:nvSpPr>
+        <p:spPr/>
+        <p:txBody>
+          <a:bodyPr/>
+          <a:lstStyle/>
+          <a:p>
+            <a:fld id="{4457893A-1EC9-40BF-96CB-4B88A1AFEC93}" type="slidenum">
+              <a:rPr lang="es-CO" smtClean="0"/>
+              <a:t>13</a:t>
+            </a:fld>
+            <a:endParaRPr lang="es-CO"/>
+          </a:p>
+        </p:txBody>
+      </p:sp>
+    </p:spTree>
+    <p:extLst>
+      <p:ext uri="{BB962C8B-B14F-4D97-AF65-F5344CB8AC3E}">
+        <p14:creationId xmlns:p14="http://schemas.microsoft.com/office/powerpoint/2010/main" val="656219584"/>
+      </p:ext>
+    </p:extLst>
+  </p:cSld>
+  <p:clrMapOvr>
+    <a:masterClrMapping/>
+  </p:clrMapOvr>
+</p:notes>
+</file>
+
 <file path=ppt/slideLayouts/slideLayout1.xml><?xml version="1.0" encoding="utf-8"?>
 <p:sldLayout xmlns:a="http://schemas.openxmlformats.org/drawingml/2006/main" xmlns:r="http://schemas.openxmlformats.org/officeDocument/2006/relationships" xmlns:p="http://schemas.openxmlformats.org/presentationml/2006/main" type="title" preserve="1">
   <p:cSld name="Diapositiva de título">
@@ -6400,7 +7448,7 @@
           <a:p>
             <a:fld id="{3D5EC4C3-54C2-43C9-84F1-2F74D27AE573}" type="datetimeFigureOut">
               <a:rPr lang="es-CO" smtClean="0"/>
-              <a:t>5/08/2020</a:t>
+              <a:t>9/08/2020</a:t>
             </a:fld>
             <a:endParaRPr lang="es-CO"/>
           </a:p>
@@ -6570,7 +7618,7 @@
           <a:p>
             <a:fld id="{3D5EC4C3-54C2-43C9-84F1-2F74D27AE573}" type="datetimeFigureOut">
               <a:rPr lang="es-CO" smtClean="0"/>
-              <a:t>5/08/2020</a:t>
+              <a:t>9/08/2020</a:t>
             </a:fld>
             <a:endParaRPr lang="es-CO"/>
           </a:p>
@@ -6750,7 +7798,7 @@
           <a:p>
             <a:fld id="{3D5EC4C3-54C2-43C9-84F1-2F74D27AE573}" type="datetimeFigureOut">
               <a:rPr lang="es-CO" smtClean="0"/>
-              <a:t>5/08/2020</a:t>
+              <a:t>9/08/2020</a:t>
             </a:fld>
             <a:endParaRPr lang="es-CO"/>
           </a:p>
@@ -6920,7 +7968,7 @@
           <a:p>
             <a:fld id="{3D5EC4C3-54C2-43C9-84F1-2F74D27AE573}" type="datetimeFigureOut">
               <a:rPr lang="es-CO" smtClean="0"/>
-              <a:t>5/08/2020</a:t>
+              <a:t>9/08/2020</a:t>
             </a:fld>
             <a:endParaRPr lang="es-CO"/>
           </a:p>
@@ -7166,7 +8214,7 @@
           <a:p>
             <a:fld id="{3D5EC4C3-54C2-43C9-84F1-2F74D27AE573}" type="datetimeFigureOut">
               <a:rPr lang="es-CO" smtClean="0"/>
-              <a:t>5/08/2020</a:t>
+              <a:t>9/08/2020</a:t>
             </a:fld>
             <a:endParaRPr lang="es-CO"/>
           </a:p>
@@ -7398,7 +8446,7 @@
           <a:p>
             <a:fld id="{3D5EC4C3-54C2-43C9-84F1-2F74D27AE573}" type="datetimeFigureOut">
               <a:rPr lang="es-CO" smtClean="0"/>
-              <a:t>5/08/2020</a:t>
+              <a:t>9/08/2020</a:t>
             </a:fld>
             <a:endParaRPr lang="es-CO"/>
           </a:p>
@@ -7765,7 +8813,7 @@
           <a:p>
             <a:fld id="{3D5EC4C3-54C2-43C9-84F1-2F74D27AE573}" type="datetimeFigureOut">
               <a:rPr lang="es-CO" smtClean="0"/>
-              <a:t>5/08/2020</a:t>
+              <a:t>9/08/2020</a:t>
             </a:fld>
             <a:endParaRPr lang="es-CO"/>
           </a:p>
@@ -7883,7 +8931,7 @@
           <a:p>
             <a:fld id="{3D5EC4C3-54C2-43C9-84F1-2F74D27AE573}" type="datetimeFigureOut">
               <a:rPr lang="es-CO" smtClean="0"/>
-              <a:t>5/08/2020</a:t>
+              <a:t>9/08/2020</a:t>
             </a:fld>
             <a:endParaRPr lang="es-CO"/>
           </a:p>
@@ -7978,7 +9026,7 @@
           <a:p>
             <a:fld id="{3D5EC4C3-54C2-43C9-84F1-2F74D27AE573}" type="datetimeFigureOut">
               <a:rPr lang="es-CO" smtClean="0"/>
-              <a:t>5/08/2020</a:t>
+              <a:t>9/08/2020</a:t>
             </a:fld>
             <a:endParaRPr lang="es-CO"/>
           </a:p>
@@ -8255,7 +9303,7 @@
           <a:p>
             <a:fld id="{3D5EC4C3-54C2-43C9-84F1-2F74D27AE573}" type="datetimeFigureOut">
               <a:rPr lang="es-CO" smtClean="0"/>
-              <a:t>5/08/2020</a:t>
+              <a:t>9/08/2020</a:t>
             </a:fld>
             <a:endParaRPr lang="es-CO"/>
           </a:p>
@@ -8508,7 +9556,7 @@
           <a:p>
             <a:fld id="{3D5EC4C3-54C2-43C9-84F1-2F74D27AE573}" type="datetimeFigureOut">
               <a:rPr lang="es-CO" smtClean="0"/>
-              <a:t>5/08/2020</a:t>
+              <a:t>9/08/2020</a:t>
             </a:fld>
             <a:endParaRPr lang="es-CO"/>
           </a:p>
@@ -8721,7 +9769,7 @@
           <a:p>
             <a:fld id="{3D5EC4C3-54C2-43C9-84F1-2F74D27AE573}" type="datetimeFigureOut">
               <a:rPr lang="es-CO" smtClean="0"/>
-              <a:t>5/08/2020</a:t>
+              <a:t>9/08/2020</a:t>
             </a:fld>
             <a:endParaRPr lang="es-CO"/>
           </a:p>
@@ -15637,7 +16685,7 @@
             <p:ph idx="1"/>
             <p:extLst>
               <p:ext uri="{D42A27DB-BD31-4B8C-83A1-F6EECF244321}">
-                <p14:modId xmlns:p14="http://schemas.microsoft.com/office/powerpoint/2010/main" val="377752707"/>
+                <p14:modId xmlns:p14="http://schemas.microsoft.com/office/powerpoint/2010/main" val="1247659897"/>
               </p:ext>
             </p:extLst>
           </p:nvPr>
@@ -15648,7 +16696,7 @@
         </p:xfrm>
         <a:graphic>
           <a:graphicData uri="http://schemas.openxmlformats.org/drawingml/2006/diagram">
-            <dgm:relIds xmlns:dgm="http://schemas.openxmlformats.org/drawingml/2006/diagram" xmlns:r="http://schemas.openxmlformats.org/officeDocument/2006/relationships" r:dm="rId2" r:lo="rId3" r:qs="rId4" r:cs="rId5"/>
+            <dgm:relIds xmlns:dgm="http://schemas.openxmlformats.org/drawingml/2006/diagram" xmlns:r="http://schemas.openxmlformats.org/officeDocument/2006/relationships" r:dm="rId3" r:lo="rId4" r:qs="rId5" r:cs="rId6"/>
           </a:graphicData>
         </a:graphic>
       </p:graphicFrame>
@@ -16035,7 +17083,7 @@
                 <a:avLst/>
               </a:prstGeom>
               <a:blipFill>
-                <a:blip r:embed="rId2"/>
+                <a:blip r:embed="rId3"/>
                 <a:stretch>
                   <a:fillRect/>
                 </a:stretch>
@@ -16781,7 +17829,7 @@
                       </a:txBody>
                       <a:tcPr>
                         <a:blipFill>
-                          <a:blip r:embed="rId3"/>
+                          <a:blip r:embed="rId4"/>
                           <a:stretch>
                             <a:fillRect l="-307" t="-7813" r="-100307" b="-418750"/>
                           </a:stretch>
@@ -16798,7 +17846,7 @@
                       </a:txBody>
                       <a:tcPr>
                         <a:blipFill>
-                          <a:blip r:embed="rId3"/>
+                          <a:blip r:embed="rId4"/>
                           <a:stretch>
                             <a:fillRect l="-100615" t="-7813" r="-615" b="-418750"/>
                           </a:stretch>
@@ -17224,7 +18272,7 @@
                 <a:avLst/>
               </a:prstGeom>
               <a:blipFill>
-                <a:blip r:embed="rId4"/>
+                <a:blip r:embed="rId5"/>
                 <a:stretch>
                   <a:fillRect/>
                 </a:stretch>
@@ -17738,7 +18786,7 @@
                 <a:avLst/>
               </a:prstGeom>
               <a:blipFill>
-                <a:blip r:embed="rId2"/>
+                <a:blip r:embed="rId3"/>
                 <a:stretch>
                   <a:fillRect/>
                 </a:stretch>
@@ -18090,6 +19138,57 @@
           </a:p>
         </p:txBody>
       </p:sp>
+      <mc:AlternateContent xmlns:mc="http://schemas.openxmlformats.org/markup-compatibility/2006" xmlns:p14="http://schemas.microsoft.com/office/powerpoint/2010/main">
+        <mc:Choice Requires="p14">
+          <p:contentPart p14:bwMode="auto" r:id="rId4">
+            <p14:nvContentPartPr>
+              <p14:cNvPr id="2" name="Entrada de lápiz 1">
+                <a:extLst>
+                  <a:ext uri="{FF2B5EF4-FFF2-40B4-BE49-F238E27FC236}">
+                    <a16:creationId xmlns:a16="http://schemas.microsoft.com/office/drawing/2014/main" id="{DCD30D9F-3299-4A71-9641-5ACF35840DB9}"/>
+                  </a:ext>
+                </a:extLst>
+              </p14:cNvPr>
+              <p14:cNvContentPartPr/>
+              <p14:nvPr/>
+            </p14:nvContentPartPr>
+            <p14:xfrm>
+              <a:off x="5032080" y="1317600"/>
+              <a:ext cx="360" cy="360"/>
+            </p14:xfrm>
+          </p:contentPart>
+        </mc:Choice>
+        <mc:Fallback xmlns="">
+          <p:pic>
+            <p:nvPicPr>
+              <p:cNvPr id="2" name="Entrada de lápiz 1">
+                <a:extLst>
+                  <a:ext uri="{FF2B5EF4-FFF2-40B4-BE49-F238E27FC236}">
+                    <a16:creationId xmlns:a16="http://schemas.microsoft.com/office/drawing/2014/main" id="{DCD30D9F-3299-4A71-9641-5ACF35840DB9}"/>
+                  </a:ext>
+                </a:extLst>
+              </p:cNvPr>
+              <p:cNvPicPr/>
+              <p:nvPr/>
+            </p:nvPicPr>
+            <p:blipFill>
+              <a:blip r:embed="rId5"/>
+              <a:stretch>
+                <a:fillRect/>
+              </a:stretch>
+            </p:blipFill>
+            <p:spPr>
+              <a:xfrm>
+                <a:off x="5022720" y="1308240"/>
+                <a:ext cx="19080" cy="19080"/>
+              </a:xfrm>
+              <a:prstGeom prst="rect">
+                <a:avLst/>
+              </a:prstGeom>
+            </p:spPr>
+          </p:pic>
+        </mc:Fallback>
+      </mc:AlternateContent>
     </p:spTree>
     <p:extLst>
       <p:ext uri="{BB962C8B-B14F-4D97-AF65-F5344CB8AC3E}">
@@ -18319,7 +19418,7 @@
             <p:nvPr/>
           </p:nvPicPr>
           <p:blipFill>
-            <a:blip r:embed="rId2"/>
+            <a:blip r:embed="rId3"/>
             <a:stretch>
               <a:fillRect/>
             </a:stretch>
@@ -19431,7 +20530,7 @@
                 <a:avLst/>
               </a:prstGeom>
               <a:blipFill>
-                <a:blip r:embed="rId2"/>
+                <a:blip r:embed="rId3"/>
                 <a:stretch>
                   <a:fillRect/>
                 </a:stretch>
@@ -20015,7 +21114,7 @@
                 <a:avLst/>
               </a:prstGeom>
               <a:blipFill>
-                <a:blip r:embed="rId3"/>
+                <a:blip r:embed="rId4"/>
                 <a:stretch>
                   <a:fillRect b="-735"/>
                 </a:stretch>
@@ -20232,7 +21331,7 @@
         </p:xfrm>
         <a:graphic>
           <a:graphicData uri="http://schemas.openxmlformats.org/drawingml/2006/chart">
-            <c:chart xmlns:c="http://schemas.openxmlformats.org/drawingml/2006/chart" xmlns:r="http://schemas.openxmlformats.org/officeDocument/2006/relationships" r:id="rId4"/>
+            <c:chart xmlns:c="http://schemas.openxmlformats.org/drawingml/2006/chart" xmlns:r="http://schemas.openxmlformats.org/officeDocument/2006/relationships" r:id="rId5"/>
           </a:graphicData>
         </a:graphic>
       </p:graphicFrame>
@@ -20516,6 +21615,57 @@
           </a:fontRef>
         </p:style>
       </p:cxnSp>
+      <mc:AlternateContent xmlns:mc="http://schemas.openxmlformats.org/markup-compatibility/2006" xmlns:p14="http://schemas.microsoft.com/office/powerpoint/2010/main">
+        <mc:Choice Requires="p14">
+          <p:contentPart p14:bwMode="auto" r:id="rId6">
+            <p14:nvContentPartPr>
+              <p14:cNvPr id="5" name="Entrada de lápiz 4">
+                <a:extLst>
+                  <a:ext uri="{FF2B5EF4-FFF2-40B4-BE49-F238E27FC236}">
+                    <a16:creationId xmlns:a16="http://schemas.microsoft.com/office/drawing/2014/main" id="{0181F5FC-26FB-4BEB-8F5B-07676B178F45}"/>
+                  </a:ext>
+                </a:extLst>
+              </p14:cNvPr>
+              <p14:cNvContentPartPr/>
+              <p14:nvPr/>
+            </p14:nvContentPartPr>
+            <p14:xfrm>
+              <a:off x="6529680" y="4341240"/>
+              <a:ext cx="18360" cy="6840"/>
+            </p14:xfrm>
+          </p:contentPart>
+        </mc:Choice>
+        <mc:Fallback xmlns="">
+          <p:pic>
+            <p:nvPicPr>
+              <p:cNvPr id="5" name="Entrada de lápiz 4">
+                <a:extLst>
+                  <a:ext uri="{FF2B5EF4-FFF2-40B4-BE49-F238E27FC236}">
+                    <a16:creationId xmlns:a16="http://schemas.microsoft.com/office/drawing/2014/main" id="{0181F5FC-26FB-4BEB-8F5B-07676B178F45}"/>
+                  </a:ext>
+                </a:extLst>
+              </p:cNvPr>
+              <p:cNvPicPr/>
+              <p:nvPr/>
+            </p:nvPicPr>
+            <p:blipFill>
+              <a:blip r:embed="rId7"/>
+              <a:stretch>
+                <a:fillRect/>
+              </a:stretch>
+            </p:blipFill>
+            <p:spPr>
+              <a:xfrm>
+                <a:off x="159480" y="1267200"/>
+                <a:ext cx="10431000" cy="3848040"/>
+              </a:xfrm>
+              <a:prstGeom prst="rect">
+                <a:avLst/>
+              </a:prstGeom>
+            </p:spPr>
+          </p:pic>
+        </mc:Fallback>
+      </mc:AlternateContent>
     </p:spTree>
     <p:extLst>
       <p:ext uri="{BB962C8B-B14F-4D97-AF65-F5344CB8AC3E}">
@@ -20955,7 +22105,7 @@
                 <a:avLst/>
               </a:prstGeom>
               <a:blipFill>
-                <a:blip r:embed="rId2"/>
+                <a:blip r:embed="rId3"/>
                 <a:stretch>
                   <a:fillRect/>
                 </a:stretch>
@@ -21394,7 +22544,7 @@
           <p:nvPr/>
         </p:nvPicPr>
         <p:blipFill>
-          <a:blip r:embed="rId3"/>
+          <a:blip r:embed="rId4"/>
           <a:stretch>
             <a:fillRect/>
           </a:stretch>
@@ -21424,7 +22574,7 @@
           <p:nvPr/>
         </p:nvPicPr>
         <p:blipFill>
-          <a:blip r:embed="rId4"/>
+          <a:blip r:embed="rId5"/>
           <a:stretch>
             <a:fillRect/>
           </a:stretch>
@@ -21439,6 +22589,57 @@
           </a:prstGeom>
         </p:spPr>
       </p:pic>
+      <mc:AlternateContent xmlns:mc="http://schemas.openxmlformats.org/markup-compatibility/2006" xmlns:p14="http://schemas.microsoft.com/office/powerpoint/2010/main">
+        <mc:Choice Requires="p14">
+          <p:contentPart p14:bwMode="auto" r:id="rId6">
+            <p14:nvContentPartPr>
+              <p14:cNvPr id="5" name="Entrada de lápiz 4">
+                <a:extLst>
+                  <a:ext uri="{FF2B5EF4-FFF2-40B4-BE49-F238E27FC236}">
+                    <a16:creationId xmlns:a16="http://schemas.microsoft.com/office/drawing/2014/main" id="{AA57174A-6FEE-4F4C-BF5A-00EA12C1E5E0}"/>
+                  </a:ext>
+                </a:extLst>
+              </p14:cNvPr>
+              <p14:cNvContentPartPr/>
+              <p14:nvPr/>
+            </p14:nvContentPartPr>
+            <p14:xfrm>
+              <a:off x="3865680" y="3589920"/>
+              <a:ext cx="6120" cy="1800"/>
+            </p14:xfrm>
+          </p:contentPart>
+        </mc:Choice>
+        <mc:Fallback xmlns="">
+          <p:pic>
+            <p:nvPicPr>
+              <p:cNvPr id="5" name="Entrada de lápiz 4">
+                <a:extLst>
+                  <a:ext uri="{FF2B5EF4-FFF2-40B4-BE49-F238E27FC236}">
+                    <a16:creationId xmlns:a16="http://schemas.microsoft.com/office/drawing/2014/main" id="{AA57174A-6FEE-4F4C-BF5A-00EA12C1E5E0}"/>
+                  </a:ext>
+                </a:extLst>
+              </p:cNvPr>
+              <p:cNvPicPr/>
+              <p:nvPr/>
+            </p:nvPicPr>
+            <p:blipFill>
+              <a:blip r:embed="rId7"/>
+              <a:stretch>
+                <a:fillRect/>
+              </a:stretch>
+            </p:blipFill>
+            <p:spPr>
+              <a:xfrm>
+                <a:off x="2133720" y="1595880"/>
+                <a:ext cx="7319160" cy="5183640"/>
+              </a:xfrm>
+              <a:prstGeom prst="rect">
+                <a:avLst/>
+              </a:prstGeom>
+            </p:spPr>
+          </p:pic>
+        </mc:Fallback>
+      </mc:AlternateContent>
     </p:spTree>
     <p:extLst>
       <p:ext uri="{BB962C8B-B14F-4D97-AF65-F5344CB8AC3E}">
@@ -24864,4 +26065,299 @@
     </a:ext>
   </a:extLst>
 </a:theme>
+</file>
+
+<file path=ppt/theme/theme2.xml><?xml version="1.0" encoding="utf-8"?>
+<a:theme xmlns:a="http://schemas.openxmlformats.org/drawingml/2006/main" name="Tema de Office">
+  <a:themeElements>
+    <a:clrScheme name="Office">
+      <a:dk1>
+        <a:sysClr val="windowText" lastClr="000000"/>
+      </a:dk1>
+      <a:lt1>
+        <a:sysClr val="window" lastClr="FFFFFF"/>
+      </a:lt1>
+      <a:dk2>
+        <a:srgbClr val="44546A"/>
+      </a:dk2>
+      <a:lt2>
+        <a:srgbClr val="E7E6E6"/>
+      </a:lt2>
+      <a:accent1>
+        <a:srgbClr val="4472C4"/>
+      </a:accent1>
+      <a:accent2>
+        <a:srgbClr val="ED7D31"/>
+      </a:accent2>
+      <a:accent3>
+        <a:srgbClr val="A5A5A5"/>
+      </a:accent3>
+      <a:accent4>
+        <a:srgbClr val="FFC000"/>
+      </a:accent4>
+      <a:accent5>
+        <a:srgbClr val="5B9BD5"/>
+      </a:accent5>
+      <a:accent6>
+        <a:srgbClr val="70AD47"/>
+      </a:accent6>
+      <a:hlink>
+        <a:srgbClr val="0563C1"/>
+      </a:hlink>
+      <a:folHlink>
+        <a:srgbClr val="954F72"/>
+      </a:folHlink>
+    </a:clrScheme>
+    <a:fontScheme name="Office">
+      <a:majorFont>
+        <a:latin typeface="Calibri Light" panose="020F0302020204030204"/>
+        <a:ea typeface=""/>
+        <a:cs typeface=""/>
+        <a:font script="Jpan" typeface="游ゴシック Light"/>
+        <a:font script="Hang" typeface="맑은 고딕"/>
+        <a:font script="Hans" typeface="等线 Light"/>
+        <a:font script="Hant" typeface="新細明體"/>
+        <a:font script="Arab" typeface="Times New Roman"/>
+        <a:font script="Hebr" typeface="Times New Roman"/>
+        <a:font script="Thai" typeface="Angsana New"/>
+        <a:font script="Ethi" typeface="Nyala"/>
+        <a:font script="Beng" typeface="Vrinda"/>
+        <a:font script="Gujr" typeface="Shruti"/>
+        <a:font script="Khmr" typeface="MoolBoran"/>
+        <a:font script="Knda" typeface="Tunga"/>
+        <a:font script="Guru" typeface="Raavi"/>
+        <a:font script="Cans" typeface="Euphemia"/>
+        <a:font script="Cher" typeface="Plantagenet Cherokee"/>
+        <a:font script="Yiii" typeface="Microsoft Yi Baiti"/>
+        <a:font script="Tibt" typeface="Microsoft Himalaya"/>
+        <a:font script="Thaa" typeface="MV Boli"/>
+        <a:font script="Deva" typeface="Mangal"/>
+        <a:font script="Telu" typeface="Gautami"/>
+        <a:font script="Taml" typeface="Latha"/>
+        <a:font script="Syrc" typeface="Estrangelo Edessa"/>
+        <a:font script="Orya" typeface="Kalinga"/>
+        <a:font script="Mlym" typeface="Kartika"/>
+        <a:font script="Laoo" typeface="DokChampa"/>
+        <a:font script="Sinh" typeface="Iskoola Pota"/>
+        <a:font script="Mong" typeface="Mongolian Baiti"/>
+        <a:font script="Viet" typeface="Times New Roman"/>
+        <a:font script="Uigh" typeface="Microsoft Uighur"/>
+        <a:font script="Geor" typeface="Sylfaen"/>
+        <a:font script="Armn" typeface="Arial"/>
+        <a:font script="Bugi" typeface="Leelawadee UI"/>
+        <a:font script="Bopo" typeface="Microsoft JhengHei"/>
+        <a:font script="Java" typeface="Javanese Text"/>
+        <a:font script="Lisu" typeface="Segoe UI"/>
+        <a:font script="Mymr" typeface="Myanmar Text"/>
+        <a:font script="Nkoo" typeface="Ebrima"/>
+        <a:font script="Olck" typeface="Nirmala UI"/>
+        <a:font script="Osma" typeface="Ebrima"/>
+        <a:font script="Phag" typeface="Phagspa"/>
+        <a:font script="Syrn" typeface="Estrangelo Edessa"/>
+        <a:font script="Syrj" typeface="Estrangelo Edessa"/>
+        <a:font script="Syre" typeface="Estrangelo Edessa"/>
+        <a:font script="Sora" typeface="Nirmala UI"/>
+        <a:font script="Tale" typeface="Microsoft Tai Le"/>
+        <a:font script="Talu" typeface="Microsoft New Tai Lue"/>
+        <a:font script="Tfng" typeface="Ebrima"/>
+      </a:majorFont>
+      <a:minorFont>
+        <a:latin typeface="Calibri" panose="020F0502020204030204"/>
+        <a:ea typeface=""/>
+        <a:cs typeface=""/>
+        <a:font script="Jpan" typeface="游ゴシック"/>
+        <a:font script="Hang" typeface="맑은 고딕"/>
+        <a:font script="Hans" typeface="等线"/>
+        <a:font script="Hant" typeface="新細明體"/>
+        <a:font script="Arab" typeface="Arial"/>
+        <a:font script="Hebr" typeface="Arial"/>
+        <a:font script="Thai" typeface="Cordia New"/>
+        <a:font script="Ethi" typeface="Nyala"/>
+        <a:font script="Beng" typeface="Vrinda"/>
+        <a:font script="Gujr" typeface="Shruti"/>
+        <a:font script="Khmr" typeface="DaunPenh"/>
+        <a:font script="Knda" typeface="Tunga"/>
+        <a:font script="Guru" typeface="Raavi"/>
+        <a:font script="Cans" typeface="Euphemia"/>
+        <a:font script="Cher" typeface="Plantagenet Cherokee"/>
+        <a:font script="Yiii" typeface="Microsoft Yi Baiti"/>
+        <a:font script="Tibt" typeface="Microsoft Himalaya"/>
+        <a:font script="Thaa" typeface="MV Boli"/>
+        <a:font script="Deva" typeface="Mangal"/>
+        <a:font script="Telu" typeface="Gautami"/>
+        <a:font script="Taml" typeface="Latha"/>
+        <a:font script="Syrc" typeface="Estrangelo Edessa"/>
+        <a:font script="Orya" typeface="Kalinga"/>
+        <a:font script="Mlym" typeface="Kartika"/>
+        <a:font script="Laoo" typeface="DokChampa"/>
+        <a:font script="Sinh" typeface="Iskoola Pota"/>
+        <a:font script="Mong" typeface="Mongolian Baiti"/>
+        <a:font script="Viet" typeface="Arial"/>
+        <a:font script="Uigh" typeface="Microsoft Uighur"/>
+        <a:font script="Geor" typeface="Sylfaen"/>
+        <a:font script="Armn" typeface="Arial"/>
+        <a:font script="Bugi" typeface="Leelawadee UI"/>
+        <a:font script="Bopo" typeface="Microsoft JhengHei"/>
+        <a:font script="Java" typeface="Javanese Text"/>
+        <a:font script="Lisu" typeface="Segoe UI"/>
+        <a:font script="Mymr" typeface="Myanmar Text"/>
+        <a:font script="Nkoo" typeface="Ebrima"/>
+        <a:font script="Olck" typeface="Nirmala UI"/>
+        <a:font script="Osma" typeface="Ebrima"/>
+        <a:font script="Phag" typeface="Phagspa"/>
+        <a:font script="Syrn" typeface="Estrangelo Edessa"/>
+        <a:font script="Syrj" typeface="Estrangelo Edessa"/>
+        <a:font script="Syre" typeface="Estrangelo Edessa"/>
+        <a:font script="Sora" typeface="Nirmala UI"/>
+        <a:font script="Tale" typeface="Microsoft Tai Le"/>
+        <a:font script="Talu" typeface="Microsoft New Tai Lue"/>
+        <a:font script="Tfng" typeface="Ebrima"/>
+      </a:minorFont>
+    </a:fontScheme>
+    <a:fmtScheme name="Office">
+      <a:fillStyleLst>
+        <a:solidFill>
+          <a:schemeClr val="phClr"/>
+        </a:solidFill>
+        <a:gradFill rotWithShape="1">
+          <a:gsLst>
+            <a:gs pos="0">
+              <a:schemeClr val="phClr">
+                <a:lumMod val="110000"/>
+                <a:satMod val="105000"/>
+                <a:tint val="67000"/>
+              </a:schemeClr>
+            </a:gs>
+            <a:gs pos="50000">
+              <a:schemeClr val="phClr">
+                <a:lumMod val="105000"/>
+                <a:satMod val="103000"/>
+                <a:tint val="73000"/>
+              </a:schemeClr>
+            </a:gs>
+            <a:gs pos="100000">
+              <a:schemeClr val="phClr">
+                <a:lumMod val="105000"/>
+                <a:satMod val="109000"/>
+                <a:tint val="81000"/>
+              </a:schemeClr>
+            </a:gs>
+          </a:gsLst>
+          <a:lin ang="5400000" scaled="0"/>
+        </a:gradFill>
+        <a:gradFill rotWithShape="1">
+          <a:gsLst>
+            <a:gs pos="0">
+              <a:schemeClr val="phClr">
+                <a:satMod val="103000"/>
+                <a:lumMod val="102000"/>
+                <a:tint val="94000"/>
+              </a:schemeClr>
+            </a:gs>
+            <a:gs pos="50000">
+              <a:schemeClr val="phClr">
+                <a:satMod val="110000"/>
+                <a:lumMod val="100000"/>
+                <a:shade val="100000"/>
+              </a:schemeClr>
+            </a:gs>
+            <a:gs pos="100000">
+              <a:schemeClr val="phClr">
+                <a:lumMod val="99000"/>
+                <a:satMod val="120000"/>
+                <a:shade val="78000"/>
+              </a:schemeClr>
+            </a:gs>
+          </a:gsLst>
+          <a:lin ang="5400000" scaled="0"/>
+        </a:gradFill>
+      </a:fillStyleLst>
+      <a:lnStyleLst>
+        <a:ln w="6350" cap="flat" cmpd="sng" algn="ctr">
+          <a:solidFill>
+            <a:schemeClr val="phClr"/>
+          </a:solidFill>
+          <a:prstDash val="solid"/>
+          <a:miter lim="800000"/>
+        </a:ln>
+        <a:ln w="12700" cap="flat" cmpd="sng" algn="ctr">
+          <a:solidFill>
+            <a:schemeClr val="phClr"/>
+          </a:solidFill>
+          <a:prstDash val="solid"/>
+          <a:miter lim="800000"/>
+        </a:ln>
+        <a:ln w="19050" cap="flat" cmpd="sng" algn="ctr">
+          <a:solidFill>
+            <a:schemeClr val="phClr"/>
+          </a:solidFill>
+          <a:prstDash val="solid"/>
+          <a:miter lim="800000"/>
+        </a:ln>
+      </a:lnStyleLst>
+      <a:effectStyleLst>
+        <a:effectStyle>
+          <a:effectLst/>
+        </a:effectStyle>
+        <a:effectStyle>
+          <a:effectLst/>
+        </a:effectStyle>
+        <a:effectStyle>
+          <a:effectLst>
+            <a:outerShdw blurRad="57150" dist="19050" dir="5400000" algn="ctr" rotWithShape="0">
+              <a:srgbClr val="000000">
+                <a:alpha val="63000"/>
+              </a:srgbClr>
+            </a:outerShdw>
+          </a:effectLst>
+        </a:effectStyle>
+      </a:effectStyleLst>
+      <a:bgFillStyleLst>
+        <a:solidFill>
+          <a:schemeClr val="phClr"/>
+        </a:solidFill>
+        <a:solidFill>
+          <a:schemeClr val="phClr">
+            <a:tint val="95000"/>
+            <a:satMod val="170000"/>
+          </a:schemeClr>
+        </a:solidFill>
+        <a:gradFill rotWithShape="1">
+          <a:gsLst>
+            <a:gs pos="0">
+              <a:schemeClr val="phClr">
+                <a:tint val="93000"/>
+                <a:satMod val="150000"/>
+                <a:shade val="98000"/>
+                <a:lumMod val="102000"/>
+              </a:schemeClr>
+            </a:gs>
+            <a:gs pos="50000">
+              <a:schemeClr val="phClr">
+                <a:tint val="98000"/>
+                <a:satMod val="130000"/>
+                <a:shade val="90000"/>
+                <a:lumMod val="103000"/>
+              </a:schemeClr>
+            </a:gs>
+            <a:gs pos="100000">
+              <a:schemeClr val="phClr">
+                <a:shade val="63000"/>
+                <a:satMod val="120000"/>
+              </a:schemeClr>
+            </a:gs>
+          </a:gsLst>
+          <a:lin ang="5400000" scaled="0"/>
+        </a:gradFill>
+      </a:bgFillStyleLst>
+    </a:fmtScheme>
+  </a:themeElements>
+  <a:objectDefaults/>
+  <a:extraClrSchemeLst/>
+  <a:extLst>
+    <a:ext uri="{05A4C25C-085E-4340-85A3-A5531E510DB2}">
+      <thm15:themeFamily xmlns:thm15="http://schemas.microsoft.com/office/thememl/2012/main" name="Office Theme" id="{62F939B6-93AF-4DB8-9C6B-D6C7DFDC589F}" vid="{4A3C46E8-61CC-4603-A589-7422A47A8E4A}"/>
+    </a:ext>
+  </a:extLst>
+</a:theme>
 </file>